--- a/document/맵디자인/1번마을 디자인.pptx
+++ b/document/맵디자인/1번마을 디자인.pptx
@@ -267,7 +267,7 @@
           <a:p>
             <a:fld id="{6E324787-536B-4047-BBC1-57E1D7E0B846}" type="datetimeFigureOut">
               <a:rPr lang="ko-KR" altLang="en-US" smtClean="0"/>
-              <a:t>2022-11-28</a:t>
+              <a:t>2022-11-30</a:t>
             </a:fld>
             <a:endParaRPr lang="ko-KR" altLang="en-US"/>
           </a:p>
@@ -465,7 +465,7 @@
           <a:p>
             <a:fld id="{6E324787-536B-4047-BBC1-57E1D7E0B846}" type="datetimeFigureOut">
               <a:rPr lang="ko-KR" altLang="en-US" smtClean="0"/>
-              <a:t>2022-11-28</a:t>
+              <a:t>2022-11-30</a:t>
             </a:fld>
             <a:endParaRPr lang="ko-KR" altLang="en-US"/>
           </a:p>
@@ -673,7 +673,7 @@
           <a:p>
             <a:fld id="{6E324787-536B-4047-BBC1-57E1D7E0B846}" type="datetimeFigureOut">
               <a:rPr lang="ko-KR" altLang="en-US" smtClean="0"/>
-              <a:t>2022-11-28</a:t>
+              <a:t>2022-11-30</a:t>
             </a:fld>
             <a:endParaRPr lang="ko-KR" altLang="en-US"/>
           </a:p>
@@ -871,7 +871,7 @@
           <a:p>
             <a:fld id="{6E324787-536B-4047-BBC1-57E1D7E0B846}" type="datetimeFigureOut">
               <a:rPr lang="ko-KR" altLang="en-US" smtClean="0"/>
-              <a:t>2022-11-28</a:t>
+              <a:t>2022-11-30</a:t>
             </a:fld>
             <a:endParaRPr lang="ko-KR" altLang="en-US"/>
           </a:p>
@@ -1146,7 +1146,7 @@
           <a:p>
             <a:fld id="{6E324787-536B-4047-BBC1-57E1D7E0B846}" type="datetimeFigureOut">
               <a:rPr lang="ko-KR" altLang="en-US" smtClean="0"/>
-              <a:t>2022-11-28</a:t>
+              <a:t>2022-11-30</a:t>
             </a:fld>
             <a:endParaRPr lang="ko-KR" altLang="en-US"/>
           </a:p>
@@ -1411,7 +1411,7 @@
           <a:p>
             <a:fld id="{6E324787-536B-4047-BBC1-57E1D7E0B846}" type="datetimeFigureOut">
               <a:rPr lang="ko-KR" altLang="en-US" smtClean="0"/>
-              <a:t>2022-11-28</a:t>
+              <a:t>2022-11-30</a:t>
             </a:fld>
             <a:endParaRPr lang="ko-KR" altLang="en-US"/>
           </a:p>
@@ -1823,7 +1823,7 @@
           <a:p>
             <a:fld id="{6E324787-536B-4047-BBC1-57E1D7E0B846}" type="datetimeFigureOut">
               <a:rPr lang="ko-KR" altLang="en-US" smtClean="0"/>
-              <a:t>2022-11-28</a:t>
+              <a:t>2022-11-30</a:t>
             </a:fld>
             <a:endParaRPr lang="ko-KR" altLang="en-US"/>
           </a:p>
@@ -1964,7 +1964,7 @@
           <a:p>
             <a:fld id="{6E324787-536B-4047-BBC1-57E1D7E0B846}" type="datetimeFigureOut">
               <a:rPr lang="ko-KR" altLang="en-US" smtClean="0"/>
-              <a:t>2022-11-28</a:t>
+              <a:t>2022-11-30</a:t>
             </a:fld>
             <a:endParaRPr lang="ko-KR" altLang="en-US"/>
           </a:p>
@@ -2077,7 +2077,7 @@
           <a:p>
             <a:fld id="{6E324787-536B-4047-BBC1-57E1D7E0B846}" type="datetimeFigureOut">
               <a:rPr lang="ko-KR" altLang="en-US" smtClean="0"/>
-              <a:t>2022-11-28</a:t>
+              <a:t>2022-11-30</a:t>
             </a:fld>
             <a:endParaRPr lang="ko-KR" altLang="en-US"/>
           </a:p>
@@ -2388,7 +2388,7 @@
           <a:p>
             <a:fld id="{6E324787-536B-4047-BBC1-57E1D7E0B846}" type="datetimeFigureOut">
               <a:rPr lang="ko-KR" altLang="en-US" smtClean="0"/>
-              <a:t>2022-11-28</a:t>
+              <a:t>2022-11-30</a:t>
             </a:fld>
             <a:endParaRPr lang="ko-KR" altLang="en-US"/>
           </a:p>
@@ -2676,7 +2676,7 @@
           <a:p>
             <a:fld id="{6E324787-536B-4047-BBC1-57E1D7E0B846}" type="datetimeFigureOut">
               <a:rPr lang="ko-KR" altLang="en-US" smtClean="0"/>
-              <a:t>2022-11-28</a:t>
+              <a:t>2022-11-30</a:t>
             </a:fld>
             <a:endParaRPr lang="ko-KR" altLang="en-US"/>
           </a:p>
@@ -2917,7 +2917,7 @@
           <a:p>
             <a:fld id="{6E324787-536B-4047-BBC1-57E1D7E0B846}" type="datetimeFigureOut">
               <a:rPr lang="ko-KR" altLang="en-US" smtClean="0"/>
-              <a:t>2022-11-28</a:t>
+              <a:t>2022-11-30</a:t>
             </a:fld>
             <a:endParaRPr lang="ko-KR" altLang="en-US"/>
           </a:p>
@@ -5790,7 +5790,7 @@
             </a:r>
             <a:r>
               <a:rPr lang="en-US" altLang="ko-KR" dirty="0"/>
-              <a:t>: 100m(</a:t>
+              <a:t>: 10m(</a:t>
             </a:r>
             <a:r>
               <a:rPr lang="ko-KR" altLang="en-US" dirty="0"/>
@@ -5798,7 +5798,15 @@
             </a:r>
             <a:r>
               <a:rPr lang="en-US" altLang="ko-KR" dirty="0"/>
-              <a:t>) x 100m(</a:t>
+              <a:t>) </a:t>
+            </a:r>
+            <a:r>
+              <a:rPr lang="en-US" altLang="ko-KR"/>
+              <a:t>x 10m</a:t>
+            </a:r>
+            <a:r>
+              <a:rPr lang="en-US" altLang="ko-KR" dirty="0"/>
+              <a:t>(</a:t>
             </a:r>
             <a:r>
               <a:rPr lang="ko-KR" altLang="en-US" dirty="0"/>
